--- a/src/chapters/lin/figures.pptx
+++ b/src/chapters/lin/figures.pptx
@@ -15,6 +15,7 @@
     <p:sldId id="261" r:id="rId9"/>
     <p:sldId id="260" r:id="rId10"/>
     <p:sldId id="264" r:id="rId11"/>
+    <p:sldId id="266" r:id="rId12"/>
   </p:sldIdLst>
   <p:sldSz cx="12192000" cy="6858000"/>
   <p:notesSz cx="6858000" cy="9144000"/>
@@ -308,7 +309,7 @@
           <a:p>
             <a:fld id="{C339C4BA-7F50-40AC-91AE-5B1B4D4E4B64}" type="datetimeFigureOut">
               <a:rPr lang="en-US" smtClean="0"/>
-              <a:t>9/20/2021</a:t>
+              <a:t>8/20/2024</a:t>
             </a:fld>
             <a:endParaRPr lang="en-US"/>
           </a:p>
@@ -478,7 +479,7 @@
           <a:p>
             <a:fld id="{C339C4BA-7F50-40AC-91AE-5B1B4D4E4B64}" type="datetimeFigureOut">
               <a:rPr lang="en-US" smtClean="0"/>
-              <a:t>9/20/2021</a:t>
+              <a:t>8/20/2024</a:t>
             </a:fld>
             <a:endParaRPr lang="en-US"/>
           </a:p>
@@ -658,7 +659,7 @@
           <a:p>
             <a:fld id="{C339C4BA-7F50-40AC-91AE-5B1B4D4E4B64}" type="datetimeFigureOut">
               <a:rPr lang="en-US" smtClean="0"/>
-              <a:t>9/20/2021</a:t>
+              <a:t>8/20/2024</a:t>
             </a:fld>
             <a:endParaRPr lang="en-US"/>
           </a:p>
@@ -828,7 +829,7 @@
           <a:p>
             <a:fld id="{C339C4BA-7F50-40AC-91AE-5B1B4D4E4B64}" type="datetimeFigureOut">
               <a:rPr lang="en-US" smtClean="0"/>
-              <a:t>9/20/2021</a:t>
+              <a:t>8/20/2024</a:t>
             </a:fld>
             <a:endParaRPr lang="en-US"/>
           </a:p>
@@ -1074,7 +1075,7 @@
           <a:p>
             <a:fld id="{C339C4BA-7F50-40AC-91AE-5B1B4D4E4B64}" type="datetimeFigureOut">
               <a:rPr lang="en-US" smtClean="0"/>
-              <a:t>9/20/2021</a:t>
+              <a:t>8/20/2024</a:t>
             </a:fld>
             <a:endParaRPr lang="en-US"/>
           </a:p>
@@ -1306,7 +1307,7 @@
           <a:p>
             <a:fld id="{C339C4BA-7F50-40AC-91AE-5B1B4D4E4B64}" type="datetimeFigureOut">
               <a:rPr lang="en-US" smtClean="0"/>
-              <a:t>9/20/2021</a:t>
+              <a:t>8/20/2024</a:t>
             </a:fld>
             <a:endParaRPr lang="en-US"/>
           </a:p>
@@ -1673,7 +1674,7 @@
           <a:p>
             <a:fld id="{C339C4BA-7F50-40AC-91AE-5B1B4D4E4B64}" type="datetimeFigureOut">
               <a:rPr lang="en-US" smtClean="0"/>
-              <a:t>9/20/2021</a:t>
+              <a:t>8/20/2024</a:t>
             </a:fld>
             <a:endParaRPr lang="en-US"/>
           </a:p>
@@ -1791,7 +1792,7 @@
           <a:p>
             <a:fld id="{C339C4BA-7F50-40AC-91AE-5B1B4D4E4B64}" type="datetimeFigureOut">
               <a:rPr lang="en-US" smtClean="0"/>
-              <a:t>9/20/2021</a:t>
+              <a:t>8/20/2024</a:t>
             </a:fld>
             <a:endParaRPr lang="en-US"/>
           </a:p>
@@ -1886,7 +1887,7 @@
           <a:p>
             <a:fld id="{C339C4BA-7F50-40AC-91AE-5B1B4D4E4B64}" type="datetimeFigureOut">
               <a:rPr lang="en-US" smtClean="0"/>
-              <a:t>9/20/2021</a:t>
+              <a:t>8/20/2024</a:t>
             </a:fld>
             <a:endParaRPr lang="en-US"/>
           </a:p>
@@ -2163,7 +2164,7 @@
           <a:p>
             <a:fld id="{C339C4BA-7F50-40AC-91AE-5B1B4D4E4B64}" type="datetimeFigureOut">
               <a:rPr lang="en-US" smtClean="0"/>
-              <a:t>9/20/2021</a:t>
+              <a:t>8/20/2024</a:t>
             </a:fld>
             <a:endParaRPr lang="en-US"/>
           </a:p>
@@ -2416,7 +2417,7 @@
           <a:p>
             <a:fld id="{C339C4BA-7F50-40AC-91AE-5B1B4D4E4B64}" type="datetimeFigureOut">
               <a:rPr lang="en-US" smtClean="0"/>
-              <a:t>9/20/2021</a:t>
+              <a:t>8/20/2024</a:t>
             </a:fld>
             <a:endParaRPr lang="en-US"/>
           </a:p>
@@ -2629,7 +2630,7 @@
           <a:p>
             <a:fld id="{C339C4BA-7F50-40AC-91AE-5B1B4D4E4B64}" type="datetimeFigureOut">
               <a:rPr lang="en-US" smtClean="0"/>
-              <a:t>9/20/2021</a:t>
+              <a:t>8/20/2024</a:t>
             </a:fld>
             <a:endParaRPr lang="en-US"/>
           </a:p>
@@ -4661,6 +4662,2076 @@
     <p:extLst>
       <p:ext uri="{BB962C8B-B14F-4D97-AF65-F5344CB8AC3E}">
         <p14:creationId xmlns:p14="http://schemas.microsoft.com/office/powerpoint/2010/main" val="923231515"/>
+      </p:ext>
+    </p:extLst>
+  </p:cSld>
+  <p:clrMapOvr>
+    <a:masterClrMapping/>
+  </p:clrMapOvr>
+</p:sld>
+</file>
+
+<file path=ppt/slides/slide11.xml><?xml version="1.0" encoding="utf-8"?>
+<p:sld xmlns:a="http://schemas.openxmlformats.org/drawingml/2006/main" xmlns:r="http://schemas.openxmlformats.org/officeDocument/2006/relationships" xmlns:p="http://schemas.openxmlformats.org/presentationml/2006/main">
+  <p:cSld>
+    <p:spTree>
+      <p:nvGrpSpPr>
+        <p:cNvPr id="1" name=""/>
+        <p:cNvGrpSpPr/>
+        <p:nvPr/>
+      </p:nvGrpSpPr>
+      <p:grpSpPr>
+        <a:xfrm>
+          <a:off x="0" y="0"/>
+          <a:ext cx="0" cy="0"/>
+          <a:chOff x="0" y="0"/>
+          <a:chExt cx="0" cy="0"/>
+        </a:xfrm>
+      </p:grpSpPr>
+      <p:grpSp>
+        <p:nvGrpSpPr>
+          <p:cNvPr id="2" name="Group 1">
+            <a:extLst>
+              <a:ext uri="{FF2B5EF4-FFF2-40B4-BE49-F238E27FC236}">
+                <a16:creationId xmlns:a16="http://schemas.microsoft.com/office/drawing/2014/main" id="{4510F8A4-A5A9-379E-579C-4ABCA04ADE6C}"/>
+              </a:ext>
+            </a:extLst>
+          </p:cNvPr>
+          <p:cNvGrpSpPr/>
+          <p:nvPr/>
+        </p:nvGrpSpPr>
+        <p:grpSpPr>
+          <a:xfrm>
+            <a:off x="5161663" y="689163"/>
+            <a:ext cx="5544616" cy="4996688"/>
+            <a:chOff x="1415480" y="853200"/>
+            <a:chExt cx="5544616" cy="4996688"/>
+          </a:xfrm>
+        </p:grpSpPr>
+        <p:grpSp>
+          <p:nvGrpSpPr>
+            <p:cNvPr id="3" name="Group 2">
+              <a:extLst>
+                <a:ext uri="{FF2B5EF4-FFF2-40B4-BE49-F238E27FC236}">
+                  <a16:creationId xmlns:a16="http://schemas.microsoft.com/office/drawing/2014/main" id="{94C8DA0D-CB57-552E-BE0E-DEE7DD6BAF3C}"/>
+                </a:ext>
+              </a:extLst>
+            </p:cNvPr>
+            <p:cNvGrpSpPr/>
+            <p:nvPr/>
+          </p:nvGrpSpPr>
+          <p:grpSpPr>
+            <a:xfrm>
+              <a:off x="1415480" y="991761"/>
+              <a:ext cx="5544616" cy="4858127"/>
+              <a:chOff x="1415480" y="991761"/>
+              <a:chExt cx="5544616" cy="4858127"/>
+            </a:xfrm>
+          </p:grpSpPr>
+          <p:grpSp>
+            <p:nvGrpSpPr>
+              <p:cNvPr id="11" name="Group 10">
+                <a:extLst>
+                  <a:ext uri="{FF2B5EF4-FFF2-40B4-BE49-F238E27FC236}">
+                    <a16:creationId xmlns:a16="http://schemas.microsoft.com/office/drawing/2014/main" id="{DDA114AA-7925-586E-78E4-F7A437A5405B}"/>
+                  </a:ext>
+                </a:extLst>
+              </p:cNvPr>
+              <p:cNvGrpSpPr/>
+              <p:nvPr/>
+            </p:nvGrpSpPr>
+            <p:grpSpPr>
+              <a:xfrm>
+                <a:off x="1487488" y="991761"/>
+                <a:ext cx="5472608" cy="4858127"/>
+                <a:chOff x="1487488" y="991761"/>
+                <a:chExt cx="5472608" cy="4858127"/>
+              </a:xfrm>
+            </p:grpSpPr>
+            <p:pic>
+              <p:nvPicPr>
+                <p:cNvPr id="13" name="Picture 12" descr="An underwater sea turtle hit by the sun rays">
+                  <a:extLst>
+                    <a:ext uri="{FF2B5EF4-FFF2-40B4-BE49-F238E27FC236}">
+                      <a16:creationId xmlns:a16="http://schemas.microsoft.com/office/drawing/2014/main" id="{EAFA37B0-CE1B-A79E-230A-4A30AD25127B}"/>
+                    </a:ext>
+                  </a:extLst>
+                </p:cNvPr>
+                <p:cNvPicPr>
+                  <a:picLocks noChangeAspect="1"/>
+                </p:cNvPicPr>
+                <p:nvPr/>
+              </p:nvPicPr>
+              <p:blipFill rotWithShape="1">
+                <a:blip r:embed="rId2" cstate="print">
+                  <a:extLst>
+                    <a:ext uri="{28A0092B-C50C-407E-A947-70E740481C1C}">
+                      <a14:useLocalDpi xmlns:a14="http://schemas.microsoft.com/office/drawing/2010/main" val="0"/>
+                    </a:ext>
+                  </a:extLst>
+                </a:blip>
+                <a:srcRect r="21726"/>
+                <a:stretch/>
+              </p:blipFill>
+              <p:spPr>
+                <a:xfrm>
+                  <a:off x="1703512" y="1556792"/>
+                  <a:ext cx="5040560" cy="4293096"/>
+                </a:xfrm>
+                <a:prstGeom prst="rect">
+                  <a:avLst/>
+                </a:prstGeom>
+                <a:ln>
+                  <a:noFill/>
+                </a:ln>
+              </p:spPr>
+            </p:pic>
+            <p:sp>
+              <p:nvSpPr>
+                <p:cNvPr id="14" name="TextBox 13">
+                  <a:extLst>
+                    <a:ext uri="{FF2B5EF4-FFF2-40B4-BE49-F238E27FC236}">
+                      <a16:creationId xmlns:a16="http://schemas.microsoft.com/office/drawing/2014/main" id="{05D4FAC9-3133-2FF6-7028-A46CFD73619F}"/>
+                    </a:ext>
+                  </a:extLst>
+                </p:cNvPr>
+                <p:cNvSpPr txBox="1"/>
+                <p:nvPr/>
+              </p:nvSpPr>
+              <p:spPr>
+                <a:xfrm>
+                  <a:off x="3863751" y="991761"/>
+                  <a:ext cx="603435" cy="276999"/>
+                </a:xfrm>
+                <a:prstGeom prst="rect">
+                  <a:avLst/>
+                </a:prstGeom>
+                <a:noFill/>
+                <a:ln>
+                  <a:noFill/>
+                </a:ln>
+              </p:spPr>
+              <p:txBody>
+                <a:bodyPr wrap="none" lIns="0" tIns="0" rIns="0" bIns="0" rtlCol="0">
+                  <a:spAutoFit/>
+                </a:bodyPr>
+                <a:lstStyle/>
+                <a:p>
+                  <a:r>
+                    <a:rPr lang="en-NO" dirty="0"/>
+                    <a:t>CO</a:t>
+                  </a:r>
+                  <a:r>
+                    <a:rPr lang="en-NO" baseline="-25000" dirty="0"/>
+                    <a:t>2</a:t>
+                  </a:r>
+                  <a:r>
+                    <a:rPr lang="en-NO" dirty="0"/>
+                    <a:t>(g)</a:t>
+                  </a:r>
+                </a:p>
+              </p:txBody>
+            </p:sp>
+            <p:sp>
+              <p:nvSpPr>
+                <p:cNvPr id="15" name="TextBox 14">
+                  <a:extLst>
+                    <a:ext uri="{FF2B5EF4-FFF2-40B4-BE49-F238E27FC236}">
+                      <a16:creationId xmlns:a16="http://schemas.microsoft.com/office/drawing/2014/main" id="{4DD2A9E1-F43F-AAE2-BDCC-94588522AD90}"/>
+                    </a:ext>
+                  </a:extLst>
+                </p:cNvPr>
+                <p:cNvSpPr txBox="1"/>
+                <p:nvPr/>
+              </p:nvSpPr>
+              <p:spPr>
+                <a:xfrm>
+                  <a:off x="3863751" y="1700808"/>
+                  <a:ext cx="725711" cy="276999"/>
+                </a:xfrm>
+                <a:prstGeom prst="rect">
+                  <a:avLst/>
+                </a:prstGeom>
+                <a:noFill/>
+                <a:ln>
+                  <a:noFill/>
+                </a:ln>
+              </p:spPr>
+              <p:txBody>
+                <a:bodyPr wrap="none" lIns="0" tIns="0" rIns="0" bIns="0" rtlCol="0">
+                  <a:spAutoFit/>
+                </a:bodyPr>
+                <a:lstStyle/>
+                <a:p>
+                  <a:r>
+                    <a:rPr lang="en-NO" dirty="0"/>
+                    <a:t>CO</a:t>
+                  </a:r>
+                  <a:r>
+                    <a:rPr lang="en-NO" baseline="-25000" dirty="0"/>
+                    <a:t>2</a:t>
+                  </a:r>
+                  <a:r>
+                    <a:rPr lang="en-NO" dirty="0"/>
+                    <a:t>(aq)</a:t>
+                  </a:r>
+                </a:p>
+              </p:txBody>
+            </p:sp>
+            <p:cxnSp>
+              <p:nvCxnSpPr>
+                <p:cNvPr id="16" name="Straight Arrow Connector 15">
+                  <a:extLst>
+                    <a:ext uri="{FF2B5EF4-FFF2-40B4-BE49-F238E27FC236}">
+                      <a16:creationId xmlns:a16="http://schemas.microsoft.com/office/drawing/2014/main" id="{8CFAF1EA-E702-939D-2819-204E8E03C695}"/>
+                    </a:ext>
+                  </a:extLst>
+                </p:cNvPr>
+                <p:cNvCxnSpPr>
+                  <a:cxnSpLocks/>
+                </p:cNvCxnSpPr>
+                <p:nvPr/>
+              </p:nvCxnSpPr>
+              <p:spPr>
+                <a:xfrm>
+                  <a:off x="4007768" y="1340768"/>
+                  <a:ext cx="0" cy="371073"/>
+                </a:xfrm>
+                <a:prstGeom prst="straightConnector1">
+                  <a:avLst/>
+                </a:prstGeom>
+                <a:ln w="28575">
+                  <a:solidFill>
+                    <a:schemeClr val="tx1"/>
+                  </a:solidFill>
+                  <a:tailEnd type="triangle"/>
+                </a:ln>
+              </p:spPr>
+              <p:style>
+                <a:lnRef idx="1">
+                  <a:schemeClr val="accent1"/>
+                </a:lnRef>
+                <a:fillRef idx="0">
+                  <a:schemeClr val="accent1"/>
+                </a:fillRef>
+                <a:effectRef idx="0">
+                  <a:schemeClr val="accent1"/>
+                </a:effectRef>
+                <a:fontRef idx="minor">
+                  <a:schemeClr val="tx1"/>
+                </a:fontRef>
+              </p:style>
+            </p:cxnSp>
+            <p:cxnSp>
+              <p:nvCxnSpPr>
+                <p:cNvPr id="17" name="Straight Arrow Connector 16">
+                  <a:extLst>
+                    <a:ext uri="{FF2B5EF4-FFF2-40B4-BE49-F238E27FC236}">
+                      <a16:creationId xmlns:a16="http://schemas.microsoft.com/office/drawing/2014/main" id="{794B01E9-3CB1-3CB7-C5CC-901D3FCE0744}"/>
+                    </a:ext>
+                  </a:extLst>
+                </p:cNvPr>
+                <p:cNvCxnSpPr>
+                  <a:cxnSpLocks/>
+                </p:cNvCxnSpPr>
+                <p:nvPr/>
+              </p:nvCxnSpPr>
+              <p:spPr>
+                <a:xfrm>
+                  <a:off x="4160168" y="1329735"/>
+                  <a:ext cx="0" cy="371073"/>
+                </a:xfrm>
+                <a:prstGeom prst="straightConnector1">
+                  <a:avLst/>
+                </a:prstGeom>
+                <a:ln w="28575">
+                  <a:solidFill>
+                    <a:schemeClr val="tx1"/>
+                  </a:solidFill>
+                  <a:headEnd type="triangle"/>
+                  <a:tailEnd type="none"/>
+                </a:ln>
+              </p:spPr>
+              <p:style>
+                <a:lnRef idx="1">
+                  <a:schemeClr val="accent1"/>
+                </a:lnRef>
+                <a:fillRef idx="0">
+                  <a:schemeClr val="accent1"/>
+                </a:fillRef>
+                <a:effectRef idx="0">
+                  <a:schemeClr val="accent1"/>
+                </a:effectRef>
+                <a:fontRef idx="minor">
+                  <a:schemeClr val="tx1"/>
+                </a:fontRef>
+              </p:style>
+            </p:cxnSp>
+            <p:cxnSp>
+              <p:nvCxnSpPr>
+                <p:cNvPr id="18" name="Straight Connector 17">
+                  <a:extLst>
+                    <a:ext uri="{FF2B5EF4-FFF2-40B4-BE49-F238E27FC236}">
+                      <a16:creationId xmlns:a16="http://schemas.microsoft.com/office/drawing/2014/main" id="{30FB0873-1641-C1B3-369C-4834AFB39AB3}"/>
+                    </a:ext>
+                  </a:extLst>
+                </p:cNvPr>
+                <p:cNvCxnSpPr>
+                  <a:cxnSpLocks/>
+                </p:cNvCxnSpPr>
+                <p:nvPr/>
+              </p:nvCxnSpPr>
+              <p:spPr>
+                <a:xfrm>
+                  <a:off x="1487488" y="1556792"/>
+                  <a:ext cx="5472608" cy="0"/>
+                </a:xfrm>
+                <a:prstGeom prst="line">
+                  <a:avLst/>
+                </a:prstGeom>
+                <a:ln w="38100">
+                  <a:solidFill>
+                    <a:schemeClr val="tx1"/>
+                  </a:solidFill>
+                  <a:prstDash val="dash"/>
+                </a:ln>
+              </p:spPr>
+              <p:style>
+                <a:lnRef idx="1">
+                  <a:schemeClr val="accent1"/>
+                </a:lnRef>
+                <a:fillRef idx="0">
+                  <a:schemeClr val="accent1"/>
+                </a:fillRef>
+                <a:effectRef idx="0">
+                  <a:schemeClr val="accent1"/>
+                </a:effectRef>
+                <a:fontRef idx="minor">
+                  <a:schemeClr val="tx1"/>
+                </a:fontRef>
+              </p:style>
+            </p:cxnSp>
+            <p:grpSp>
+              <p:nvGrpSpPr>
+                <p:cNvPr id="21" name="Group 20">
+                  <a:extLst>
+                    <a:ext uri="{FF2B5EF4-FFF2-40B4-BE49-F238E27FC236}">
+                      <a16:creationId xmlns:a16="http://schemas.microsoft.com/office/drawing/2014/main" id="{C2DB8642-854E-F392-FF06-5C3D7C3A17A3}"/>
+                    </a:ext>
+                  </a:extLst>
+                </p:cNvPr>
+                <p:cNvGrpSpPr/>
+                <p:nvPr/>
+              </p:nvGrpSpPr>
+              <p:grpSpPr>
+                <a:xfrm rot="5400000">
+                  <a:off x="4421608" y="2766924"/>
+                  <a:ext cx="3276729" cy="1598615"/>
+                  <a:chOff x="3095807" y="4413310"/>
+                  <a:chExt cx="3097698" cy="1598615"/>
+                </a:xfrm>
+              </p:grpSpPr>
+              <p:cxnSp>
+                <p:nvCxnSpPr>
+                  <p:cNvPr id="35" name="Straight Connector 34">
+                    <a:extLst>
+                      <a:ext uri="{FF2B5EF4-FFF2-40B4-BE49-F238E27FC236}">
+                        <a16:creationId xmlns:a16="http://schemas.microsoft.com/office/drawing/2014/main" id="{06FF8F13-B433-0C7A-C554-079EF5BB6993}"/>
+                      </a:ext>
+                    </a:extLst>
+                  </p:cNvPr>
+                  <p:cNvCxnSpPr>
+                    <a:cxnSpLocks/>
+                  </p:cNvCxnSpPr>
+                  <p:nvPr/>
+                </p:nvCxnSpPr>
+                <p:spPr>
+                  <a:xfrm rot="16200000">
+                    <a:off x="4309267" y="4031457"/>
+                    <a:ext cx="0" cy="2185986"/>
+                  </a:xfrm>
+                  <a:prstGeom prst="line">
+                    <a:avLst/>
+                  </a:prstGeom>
+                  <a:ln w="38100">
+                    <a:solidFill>
+                      <a:schemeClr val="tx1"/>
+                    </a:solidFill>
+                  </a:ln>
+                </p:spPr>
+                <p:style>
+                  <a:lnRef idx="1">
+                    <a:schemeClr val="accent1"/>
+                  </a:lnRef>
+                  <a:fillRef idx="0">
+                    <a:schemeClr val="accent1"/>
+                  </a:fillRef>
+                  <a:effectRef idx="0">
+                    <a:schemeClr val="accent1"/>
+                  </a:effectRef>
+                  <a:fontRef idx="minor">
+                    <a:schemeClr val="tx1"/>
+                  </a:fontRef>
+                </p:style>
+              </p:cxnSp>
+              <p:cxnSp>
+                <p:nvCxnSpPr>
+                  <p:cNvPr id="36" name="Straight Connector 35">
+                    <a:extLst>
+                      <a:ext uri="{FF2B5EF4-FFF2-40B4-BE49-F238E27FC236}">
+                        <a16:creationId xmlns:a16="http://schemas.microsoft.com/office/drawing/2014/main" id="{3FDD3BB8-1317-3F08-2B10-2C072C029FF2}"/>
+                      </a:ext>
+                    </a:extLst>
+                  </p:cNvPr>
+                  <p:cNvCxnSpPr>
+                    <a:cxnSpLocks/>
+                  </p:cNvCxnSpPr>
+                  <p:nvPr/>
+                </p:nvCxnSpPr>
+                <p:spPr>
+                  <a:xfrm>
+                    <a:off x="3493816" y="4967176"/>
+                    <a:ext cx="0" cy="340242"/>
+                  </a:xfrm>
+                  <a:prstGeom prst="line">
+                    <a:avLst/>
+                  </a:prstGeom>
+                  <a:ln w="25400">
+                    <a:solidFill>
+                      <a:schemeClr val="tx1"/>
+                    </a:solidFill>
+                  </a:ln>
+                </p:spPr>
+                <p:style>
+                  <a:lnRef idx="1">
+                    <a:schemeClr val="accent1"/>
+                  </a:lnRef>
+                  <a:fillRef idx="0">
+                    <a:schemeClr val="accent1"/>
+                  </a:fillRef>
+                  <a:effectRef idx="0">
+                    <a:schemeClr val="accent1"/>
+                  </a:effectRef>
+                  <a:fontRef idx="minor">
+                    <a:schemeClr val="tx1"/>
+                  </a:fontRef>
+                </p:style>
+              </p:cxnSp>
+              <p:cxnSp>
+                <p:nvCxnSpPr>
+                  <p:cNvPr id="37" name="Straight Connector 36">
+                    <a:extLst>
+                      <a:ext uri="{FF2B5EF4-FFF2-40B4-BE49-F238E27FC236}">
+                        <a16:creationId xmlns:a16="http://schemas.microsoft.com/office/drawing/2014/main" id="{C8D488D9-9AA4-3FF5-93A8-F524E1EBB578}"/>
+                      </a:ext>
+                    </a:extLst>
+                  </p:cNvPr>
+                  <p:cNvCxnSpPr/>
+                  <p:nvPr/>
+                </p:nvCxnSpPr>
+                <p:spPr>
+                  <a:xfrm>
+                    <a:off x="4242627" y="4967176"/>
+                    <a:ext cx="0" cy="340242"/>
+                  </a:xfrm>
+                  <a:prstGeom prst="line">
+                    <a:avLst/>
+                  </a:prstGeom>
+                  <a:ln w="25400">
+                    <a:solidFill>
+                      <a:schemeClr val="tx1"/>
+                    </a:solidFill>
+                  </a:ln>
+                </p:spPr>
+                <p:style>
+                  <a:lnRef idx="1">
+                    <a:schemeClr val="accent1"/>
+                  </a:lnRef>
+                  <a:fillRef idx="0">
+                    <a:schemeClr val="accent1"/>
+                  </a:fillRef>
+                  <a:effectRef idx="0">
+                    <a:schemeClr val="accent1"/>
+                  </a:effectRef>
+                  <a:fontRef idx="minor">
+                    <a:schemeClr val="tx1"/>
+                  </a:fontRef>
+                </p:style>
+              </p:cxnSp>
+              <p:cxnSp>
+                <p:nvCxnSpPr>
+                  <p:cNvPr id="38" name="Straight Connector 37">
+                    <a:extLst>
+                      <a:ext uri="{FF2B5EF4-FFF2-40B4-BE49-F238E27FC236}">
+                        <a16:creationId xmlns:a16="http://schemas.microsoft.com/office/drawing/2014/main" id="{37DAA0BA-3994-9627-7318-70BB417FAD41}"/>
+                      </a:ext>
+                    </a:extLst>
+                  </p:cNvPr>
+                  <p:cNvCxnSpPr/>
+                  <p:nvPr/>
+                </p:nvCxnSpPr>
+                <p:spPr>
+                  <a:xfrm>
+                    <a:off x="4991437" y="4967176"/>
+                    <a:ext cx="0" cy="340242"/>
+                  </a:xfrm>
+                  <a:prstGeom prst="line">
+                    <a:avLst/>
+                  </a:prstGeom>
+                  <a:ln w="25400">
+                    <a:solidFill>
+                      <a:schemeClr val="tx1"/>
+                    </a:solidFill>
+                  </a:ln>
+                </p:spPr>
+                <p:style>
+                  <a:lnRef idx="1">
+                    <a:schemeClr val="accent1"/>
+                  </a:lnRef>
+                  <a:fillRef idx="0">
+                    <a:schemeClr val="accent1"/>
+                  </a:fillRef>
+                  <a:effectRef idx="0">
+                    <a:schemeClr val="accent1"/>
+                  </a:effectRef>
+                  <a:fontRef idx="minor">
+                    <a:schemeClr val="tx1"/>
+                  </a:fontRef>
+                </p:style>
+              </p:cxnSp>
+              <p:cxnSp>
+                <p:nvCxnSpPr>
+                  <p:cNvPr id="39" name="Straight Connector 38">
+                    <a:extLst>
+                      <a:ext uri="{FF2B5EF4-FFF2-40B4-BE49-F238E27FC236}">
+                        <a16:creationId xmlns:a16="http://schemas.microsoft.com/office/drawing/2014/main" id="{91D55333-BA97-E4FC-3166-53612A9BE83C}"/>
+                      </a:ext>
+                    </a:extLst>
+                  </p:cNvPr>
+                  <p:cNvCxnSpPr/>
+                  <p:nvPr/>
+                </p:nvCxnSpPr>
+                <p:spPr>
+                  <a:xfrm>
+                    <a:off x="5740248" y="4967176"/>
+                    <a:ext cx="0" cy="340242"/>
+                  </a:xfrm>
+                  <a:prstGeom prst="line">
+                    <a:avLst/>
+                  </a:prstGeom>
+                  <a:ln w="25400">
+                    <a:solidFill>
+                      <a:schemeClr val="tx1"/>
+                    </a:solidFill>
+                  </a:ln>
+                </p:spPr>
+                <p:style>
+                  <a:lnRef idx="1">
+                    <a:schemeClr val="accent1"/>
+                  </a:lnRef>
+                  <a:fillRef idx="0">
+                    <a:schemeClr val="accent1"/>
+                  </a:fillRef>
+                  <a:effectRef idx="0">
+                    <a:schemeClr val="accent1"/>
+                  </a:effectRef>
+                  <a:fontRef idx="minor">
+                    <a:schemeClr val="tx1"/>
+                  </a:fontRef>
+                </p:style>
+              </p:cxnSp>
+              <mc:AlternateContent xmlns:mc="http://schemas.openxmlformats.org/markup-compatibility/2006" xmlns:a14="http://schemas.microsoft.com/office/drawing/2010/main">
+                <mc:Choice Requires="a14">
+                  <p:sp>
+                    <p:nvSpPr>
+                      <p:cNvPr id="40" name="TextBox 39">
+                        <a:extLst>
+                          <a:ext uri="{FF2B5EF4-FFF2-40B4-BE49-F238E27FC236}">
+                            <a16:creationId xmlns:a16="http://schemas.microsoft.com/office/drawing/2014/main" id="{01D2285E-5F37-0F75-7CB5-F442F8182BE5}"/>
+                          </a:ext>
+                        </a:extLst>
+                      </p:cNvPr>
+                      <p:cNvSpPr txBox="1"/>
+                      <p:nvPr/>
+                    </p:nvSpPr>
+                    <p:spPr>
+                      <a:xfrm rot="16200000">
+                        <a:off x="3136169" y="5424330"/>
+                        <a:ext cx="181139" cy="261864"/>
+                      </a:xfrm>
+                      <a:prstGeom prst="rect">
+                        <a:avLst/>
+                      </a:prstGeom>
+                      <a:noFill/>
+                      <a:ln>
+                        <a:noFill/>
+                      </a:ln>
+                    </p:spPr>
+                    <p:txBody>
+                      <a:bodyPr wrap="none" lIns="0" tIns="0" rIns="0" bIns="0" rtlCol="0">
+                        <a:spAutoFit/>
+                      </a:bodyPr>
+                      <a:lstStyle/>
+                      <a:p>
+                        <a:pPr/>
+                        <a14:m>
+                          <m:oMathPara xmlns:m="http://schemas.openxmlformats.org/officeDocument/2006/math">
+                            <m:oMathParaPr>
+                              <m:jc m:val="centerGroup"/>
+                            </m:oMathParaPr>
+                            <m:oMath xmlns:m="http://schemas.openxmlformats.org/officeDocument/2006/math">
+                              <m:r>
+                                <a:rPr lang="nb-NO" b="0" i="1" smtClean="0">
+                                  <a:solidFill>
+                                    <a:schemeClr val="tx1"/>
+                                  </a:solidFill>
+                                  <a:latin typeface="Cambria Math" panose="02040503050406030204" pitchFamily="18" charset="0"/>
+                                </a:rPr>
+                                <m:t>0</m:t>
+                              </m:r>
+                            </m:oMath>
+                          </m:oMathPara>
+                        </a14:m>
+                        <a:endParaRPr lang="en-US" dirty="0">
+                          <a:solidFill>
+                            <a:schemeClr val="tx1"/>
+                          </a:solidFill>
+                        </a:endParaRPr>
+                      </a:p>
+                    </p:txBody>
+                  </p:sp>
+                </mc:Choice>
+                <mc:Fallback xmlns="">
+                  <p:sp>
+                    <p:nvSpPr>
+                      <p:cNvPr id="33" name="TextBox 32">
+                        <a:extLst>
+                          <a:ext uri="{FF2B5EF4-FFF2-40B4-BE49-F238E27FC236}">
+                            <a16:creationId xmlns:a16="http://schemas.microsoft.com/office/drawing/2014/main" id="{E5DBF0C2-73FE-0048-B68F-CC6F066B1508}"/>
+                          </a:ext>
+                        </a:extLst>
+                      </p:cNvPr>
+                      <p:cNvSpPr txBox="1">
+                        <a:spLocks noRot="1" noChangeAspect="1" noMove="1" noResize="1" noEditPoints="1" noAdjustHandles="1" noChangeArrowheads="1" noChangeShapeType="1" noTextEdit="1"/>
+                      </p:cNvSpPr>
+                      <p:nvPr/>
+                    </p:nvSpPr>
+                    <p:spPr>
+                      <a:xfrm rot="16200000">
+                        <a:off x="3136169" y="5424330"/>
+                        <a:ext cx="181139" cy="261864"/>
+                      </a:xfrm>
+                      <a:prstGeom prst="rect">
+                        <a:avLst/>
+                      </a:prstGeom>
+                      <a:blipFill>
+                        <a:blip r:embed="rId4"/>
+                        <a:stretch>
+                          <a:fillRect l="-33333" r="-26667" b="-8696"/>
+                        </a:stretch>
+                      </a:blipFill>
+                      <a:ln>
+                        <a:noFill/>
+                      </a:ln>
+                    </p:spPr>
+                    <p:txBody>
+                      <a:bodyPr/>
+                      <a:lstStyle/>
+                      <a:p>
+                        <a:r>
+                          <a:rPr lang="en-NO">
+                            <a:noFill/>
+                          </a:rPr>
+                          <a:t> </a:t>
+                        </a:r>
+                      </a:p>
+                    </p:txBody>
+                  </p:sp>
+                </mc:Fallback>
+              </mc:AlternateContent>
+              <mc:AlternateContent xmlns:mc="http://schemas.openxmlformats.org/markup-compatibility/2006" xmlns:a14="http://schemas.microsoft.com/office/drawing/2010/main">
+                <mc:Choice Requires="a14">
+                  <p:sp>
+                    <p:nvSpPr>
+                      <p:cNvPr id="41" name="TextBox 40">
+                        <a:extLst>
+                          <a:ext uri="{FF2B5EF4-FFF2-40B4-BE49-F238E27FC236}">
+                            <a16:creationId xmlns:a16="http://schemas.microsoft.com/office/drawing/2014/main" id="{A6278612-8FAD-688A-D604-7F7DF1BF3526}"/>
+                          </a:ext>
+                        </a:extLst>
+                      </p:cNvPr>
+                      <p:cNvSpPr txBox="1"/>
+                      <p:nvPr/>
+                    </p:nvSpPr>
+                    <p:spPr>
+                      <a:xfrm rot="16200000" flipH="1">
+                        <a:off x="3773174" y="5359177"/>
+                        <a:ext cx="344813" cy="261864"/>
+                      </a:xfrm>
+                      <a:prstGeom prst="rect">
+                        <a:avLst/>
+                      </a:prstGeom>
+                      <a:noFill/>
+                      <a:ln>
+                        <a:noFill/>
+                      </a:ln>
+                    </p:spPr>
+                    <p:txBody>
+                      <a:bodyPr wrap="square" lIns="0" tIns="0" rIns="0" bIns="0" rtlCol="0">
+                        <a:spAutoFit/>
+                      </a:bodyPr>
+                      <a:lstStyle/>
+                      <a:p>
+                        <a:pPr/>
+                        <a14:m>
+                          <m:oMathPara xmlns:m="http://schemas.openxmlformats.org/officeDocument/2006/math">
+                            <m:oMathParaPr>
+                              <m:jc m:val="centerGroup"/>
+                            </m:oMathParaPr>
+                            <m:oMath xmlns:m="http://schemas.openxmlformats.org/officeDocument/2006/math">
+                              <m:r>
+                                <a:rPr lang="nb-NO" b="0" i="1" smtClean="0">
+                                  <a:solidFill>
+                                    <a:schemeClr val="tx1"/>
+                                  </a:solidFill>
+                                  <a:latin typeface="Cambria Math" panose="02040503050406030204" pitchFamily="18" charset="0"/>
+                                </a:rPr>
+                                <m:t>1</m:t>
+                              </m:r>
+                            </m:oMath>
+                          </m:oMathPara>
+                        </a14:m>
+                        <a:endParaRPr lang="en-US" dirty="0">
+                          <a:solidFill>
+                            <a:schemeClr val="tx1"/>
+                          </a:solidFill>
+                        </a:endParaRPr>
+                      </a:p>
+                    </p:txBody>
+                  </p:sp>
+                </mc:Choice>
+                <mc:Fallback xmlns="">
+                  <p:sp>
+                    <p:nvSpPr>
+                      <p:cNvPr id="34" name="TextBox 33">
+                        <a:extLst>
+                          <a:ext uri="{FF2B5EF4-FFF2-40B4-BE49-F238E27FC236}">
+                            <a16:creationId xmlns:a16="http://schemas.microsoft.com/office/drawing/2014/main" id="{C7CB48C9-6755-9240-BAB6-0BA349D53C92}"/>
+                          </a:ext>
+                        </a:extLst>
+                      </p:cNvPr>
+                      <p:cNvSpPr txBox="1">
+                        <a:spLocks noRot="1" noChangeAspect="1" noMove="1" noResize="1" noEditPoints="1" noAdjustHandles="1" noChangeArrowheads="1" noChangeShapeType="1" noTextEdit="1"/>
+                      </p:cNvSpPr>
+                      <p:nvPr/>
+                    </p:nvSpPr>
+                    <p:spPr>
+                      <a:xfrm rot="16200000" flipH="1">
+                        <a:off x="3773174" y="5359177"/>
+                        <a:ext cx="344813" cy="261864"/>
+                      </a:xfrm>
+                      <a:prstGeom prst="rect">
+                        <a:avLst/>
+                      </a:prstGeom>
+                      <a:blipFill>
+                        <a:blip r:embed="rId5"/>
+                        <a:stretch>
+                          <a:fillRect b="-4348"/>
+                        </a:stretch>
+                      </a:blipFill>
+                      <a:ln>
+                        <a:noFill/>
+                      </a:ln>
+                    </p:spPr>
+                    <p:txBody>
+                      <a:bodyPr/>
+                      <a:lstStyle/>
+                      <a:p>
+                        <a:r>
+                          <a:rPr lang="en-NO">
+                            <a:noFill/>
+                          </a:rPr>
+                          <a:t> </a:t>
+                        </a:r>
+                      </a:p>
+                    </p:txBody>
+                  </p:sp>
+                </mc:Fallback>
+              </mc:AlternateContent>
+              <mc:AlternateContent xmlns:mc="http://schemas.openxmlformats.org/markup-compatibility/2006" xmlns:a14="http://schemas.microsoft.com/office/drawing/2010/main">
+                <mc:Choice Requires="a14">
+                  <p:sp>
+                    <p:nvSpPr>
+                      <p:cNvPr id="42" name="TextBox 41">
+                        <a:extLst>
+                          <a:ext uri="{FF2B5EF4-FFF2-40B4-BE49-F238E27FC236}">
+                            <a16:creationId xmlns:a16="http://schemas.microsoft.com/office/drawing/2014/main" id="{A9A86AB8-0D52-03CB-7C59-DA2B83EA24D4}"/>
+                          </a:ext>
+                        </a:extLst>
+                      </p:cNvPr>
+                      <p:cNvSpPr txBox="1"/>
+                      <p:nvPr/>
+                    </p:nvSpPr>
+                    <p:spPr>
+                      <a:xfrm rot="16200000">
+                        <a:off x="4587278" y="5372479"/>
+                        <a:ext cx="181139" cy="261864"/>
+                      </a:xfrm>
+                      <a:prstGeom prst="rect">
+                        <a:avLst/>
+                      </a:prstGeom>
+                      <a:noFill/>
+                      <a:ln>
+                        <a:noFill/>
+                      </a:ln>
+                    </p:spPr>
+                    <p:txBody>
+                      <a:bodyPr wrap="none" lIns="0" tIns="0" rIns="0" bIns="0" rtlCol="0">
+                        <a:spAutoFit/>
+                      </a:bodyPr>
+                      <a:lstStyle/>
+                      <a:p>
+                        <a:pPr/>
+                        <a14:m>
+                          <m:oMathPara xmlns:m="http://schemas.openxmlformats.org/officeDocument/2006/math">
+                            <m:oMathParaPr>
+                              <m:jc m:val="centerGroup"/>
+                            </m:oMathParaPr>
+                            <m:oMath xmlns:m="http://schemas.openxmlformats.org/officeDocument/2006/math">
+                              <m:r>
+                                <a:rPr lang="nb-NO" b="0" i="1" smtClean="0">
+                                  <a:solidFill>
+                                    <a:schemeClr val="tx1"/>
+                                  </a:solidFill>
+                                  <a:latin typeface="Cambria Math" panose="02040503050406030204" pitchFamily="18" charset="0"/>
+                                </a:rPr>
+                                <m:t>2</m:t>
+                              </m:r>
+                            </m:oMath>
+                          </m:oMathPara>
+                        </a14:m>
+                        <a:endParaRPr lang="en-US" dirty="0">
+                          <a:solidFill>
+                            <a:schemeClr val="tx1"/>
+                          </a:solidFill>
+                        </a:endParaRPr>
+                      </a:p>
+                    </p:txBody>
+                  </p:sp>
+                </mc:Choice>
+                <mc:Fallback xmlns="">
+                  <p:sp>
+                    <p:nvSpPr>
+                      <p:cNvPr id="35" name="TextBox 34">
+                        <a:extLst>
+                          <a:ext uri="{FF2B5EF4-FFF2-40B4-BE49-F238E27FC236}">
+                            <a16:creationId xmlns:a16="http://schemas.microsoft.com/office/drawing/2014/main" id="{B6FD5787-9895-5645-AB84-561B1335D2BA}"/>
+                          </a:ext>
+                        </a:extLst>
+                      </p:cNvPr>
+                      <p:cNvSpPr txBox="1">
+                        <a:spLocks noRot="1" noChangeAspect="1" noMove="1" noResize="1" noEditPoints="1" noAdjustHandles="1" noChangeArrowheads="1" noChangeShapeType="1" noTextEdit="1"/>
+                      </p:cNvSpPr>
+                      <p:nvPr/>
+                    </p:nvSpPr>
+                    <p:spPr>
+                      <a:xfrm rot="16200000">
+                        <a:off x="4587278" y="5372479"/>
+                        <a:ext cx="181139" cy="261864"/>
+                      </a:xfrm>
+                      <a:prstGeom prst="rect">
+                        <a:avLst/>
+                      </a:prstGeom>
+                      <a:blipFill>
+                        <a:blip r:embed="rId6"/>
+                        <a:stretch>
+                          <a:fillRect l="-26667" r="-26667" b="-4348"/>
+                        </a:stretch>
+                      </a:blipFill>
+                      <a:ln>
+                        <a:noFill/>
+                      </a:ln>
+                    </p:spPr>
+                    <p:txBody>
+                      <a:bodyPr/>
+                      <a:lstStyle/>
+                      <a:p>
+                        <a:r>
+                          <a:rPr lang="en-NO">
+                            <a:noFill/>
+                          </a:rPr>
+                          <a:t> </a:t>
+                        </a:r>
+                      </a:p>
+                    </p:txBody>
+                  </p:sp>
+                </mc:Fallback>
+              </mc:AlternateContent>
+              <mc:AlternateContent xmlns:mc="http://schemas.openxmlformats.org/markup-compatibility/2006" xmlns:a14="http://schemas.microsoft.com/office/drawing/2010/main">
+                <mc:Choice Requires="a14">
+                  <p:sp>
+                    <p:nvSpPr>
+                      <p:cNvPr id="43" name="TextBox 42">
+                        <a:extLst>
+                          <a:ext uri="{FF2B5EF4-FFF2-40B4-BE49-F238E27FC236}">
+                            <a16:creationId xmlns:a16="http://schemas.microsoft.com/office/drawing/2014/main" id="{E36984EE-E777-8DAD-13D3-729D626B9141}"/>
+                          </a:ext>
+                        </a:extLst>
+                      </p:cNvPr>
+                      <p:cNvSpPr txBox="1"/>
+                      <p:nvPr/>
+                    </p:nvSpPr>
+                    <p:spPr>
+                      <a:xfrm rot="16200000" flipH="1">
+                        <a:off x="5281572" y="5359176"/>
+                        <a:ext cx="207742" cy="261864"/>
+                      </a:xfrm>
+                      <a:prstGeom prst="rect">
+                        <a:avLst/>
+                      </a:prstGeom>
+                      <a:noFill/>
+                      <a:ln>
+                        <a:noFill/>
+                      </a:ln>
+                    </p:spPr>
+                    <p:txBody>
+                      <a:bodyPr wrap="square" lIns="0" tIns="0" rIns="0" bIns="0" rtlCol="0">
+                        <a:spAutoFit/>
+                      </a:bodyPr>
+                      <a:lstStyle/>
+                      <a:p>
+                        <a:pPr/>
+                        <a14:m>
+                          <m:oMathPara xmlns:m="http://schemas.openxmlformats.org/officeDocument/2006/math">
+                            <m:oMathParaPr>
+                              <m:jc m:val="centerGroup"/>
+                            </m:oMathParaPr>
+                            <m:oMath xmlns:m="http://schemas.openxmlformats.org/officeDocument/2006/math">
+                              <m:r>
+                                <a:rPr lang="nb-NO" b="0" i="1" smtClean="0">
+                                  <a:solidFill>
+                                    <a:schemeClr val="tx1"/>
+                                  </a:solidFill>
+                                  <a:latin typeface="Cambria Math" panose="02040503050406030204" pitchFamily="18" charset="0"/>
+                                </a:rPr>
+                                <m:t>3</m:t>
+                              </m:r>
+                            </m:oMath>
+                          </m:oMathPara>
+                        </a14:m>
+                        <a:endParaRPr lang="en-US" dirty="0">
+                          <a:solidFill>
+                            <a:schemeClr val="tx1"/>
+                          </a:solidFill>
+                        </a:endParaRPr>
+                      </a:p>
+                    </p:txBody>
+                  </p:sp>
+                </mc:Choice>
+                <mc:Fallback xmlns="">
+                  <p:sp>
+                    <p:nvSpPr>
+                      <p:cNvPr id="36" name="TextBox 35">
+                        <a:extLst>
+                          <a:ext uri="{FF2B5EF4-FFF2-40B4-BE49-F238E27FC236}">
+                            <a16:creationId xmlns:a16="http://schemas.microsoft.com/office/drawing/2014/main" id="{5B559139-BC9E-164D-A08F-57897529ABA6}"/>
+                          </a:ext>
+                        </a:extLst>
+                      </p:cNvPr>
+                      <p:cNvSpPr txBox="1">
+                        <a:spLocks noRot="1" noChangeAspect="1" noMove="1" noResize="1" noEditPoints="1" noAdjustHandles="1" noChangeArrowheads="1" noChangeShapeType="1" noTextEdit="1"/>
+                      </p:cNvSpPr>
+                      <p:nvPr/>
+                    </p:nvSpPr>
+                    <p:spPr>
+                      <a:xfrm rot="16200000" flipH="1">
+                        <a:off x="5281572" y="5359176"/>
+                        <a:ext cx="207742" cy="261864"/>
+                      </a:xfrm>
+                      <a:prstGeom prst="rect">
+                        <a:avLst/>
+                      </a:prstGeom>
+                      <a:blipFill>
+                        <a:blip r:embed="rId7"/>
+                        <a:stretch>
+                          <a:fillRect l="-17647" r="-17647" b="-4348"/>
+                        </a:stretch>
+                      </a:blipFill>
+                      <a:ln>
+                        <a:noFill/>
+                      </a:ln>
+                    </p:spPr>
+                    <p:txBody>
+                      <a:bodyPr/>
+                      <a:lstStyle/>
+                      <a:p>
+                        <a:r>
+                          <a:rPr lang="en-NO">
+                            <a:noFill/>
+                          </a:rPr>
+                          <a:t> </a:t>
+                        </a:r>
+                      </a:p>
+                    </p:txBody>
+                  </p:sp>
+                </mc:Fallback>
+              </mc:AlternateContent>
+              <mc:AlternateContent xmlns:mc="http://schemas.openxmlformats.org/markup-compatibility/2006" xmlns:a14="http://schemas.microsoft.com/office/drawing/2010/main">
+                <mc:Choice Requires="a14">
+                  <p:sp>
+                    <p:nvSpPr>
+                      <p:cNvPr id="44" name="TextBox 43">
+                        <a:extLst>
+                          <a:ext uri="{FF2B5EF4-FFF2-40B4-BE49-F238E27FC236}">
+                            <a16:creationId xmlns:a16="http://schemas.microsoft.com/office/drawing/2014/main" id="{8E6CFF73-F99B-D366-5CD4-41092C7BEE08}"/>
+                          </a:ext>
+                        </a:extLst>
+                      </p:cNvPr>
+                      <p:cNvSpPr txBox="1"/>
+                      <p:nvPr/>
+                    </p:nvSpPr>
+                    <p:spPr>
+                      <a:xfrm rot="16200000" flipH="1">
+                        <a:off x="5548902" y="5367323"/>
+                        <a:ext cx="1027341" cy="261864"/>
+                      </a:xfrm>
+                      <a:prstGeom prst="rect">
+                        <a:avLst/>
+                      </a:prstGeom>
+                      <a:noFill/>
+                      <a:ln>
+                        <a:noFill/>
+                      </a:ln>
+                    </p:spPr>
+                    <p:txBody>
+                      <a:bodyPr wrap="square" lIns="0" tIns="0" rIns="0" bIns="0" rtlCol="0">
+                        <a:spAutoFit/>
+                      </a:bodyPr>
+                      <a:lstStyle/>
+                      <a:p>
+                        <a:pPr/>
+                        <a14:m>
+                          <m:oMathPara xmlns:m="http://schemas.openxmlformats.org/officeDocument/2006/math">
+                            <m:oMathParaPr>
+                              <m:jc m:val="centerGroup"/>
+                            </m:oMathParaPr>
+                            <m:oMath xmlns:m="http://schemas.openxmlformats.org/officeDocument/2006/math">
+                              <m:r>
+                                <a:rPr lang="nb-NO" b="0" i="1" smtClean="0">
+                                  <a:solidFill>
+                                    <a:schemeClr val="tx1"/>
+                                  </a:solidFill>
+                                  <a:latin typeface="Cambria Math" panose="02040503050406030204" pitchFamily="18" charset="0"/>
+                                </a:rPr>
+                                <m:t>4</m:t>
+                              </m:r>
+                            </m:oMath>
+                          </m:oMathPara>
+                        </a14:m>
+                        <a:endParaRPr lang="en-US" dirty="0">
+                          <a:solidFill>
+                            <a:schemeClr val="tx1"/>
+                          </a:solidFill>
+                        </a:endParaRPr>
+                      </a:p>
+                    </p:txBody>
+                  </p:sp>
+                </mc:Choice>
+                <mc:Fallback xmlns="">
+                  <p:sp>
+                    <p:nvSpPr>
+                      <p:cNvPr id="37" name="TextBox 36">
+                        <a:extLst>
+                          <a:ext uri="{FF2B5EF4-FFF2-40B4-BE49-F238E27FC236}">
+                            <a16:creationId xmlns:a16="http://schemas.microsoft.com/office/drawing/2014/main" id="{96117FC5-D993-3541-8450-D6A350BAEC09}"/>
+                          </a:ext>
+                        </a:extLst>
+                      </p:cNvPr>
+                      <p:cNvSpPr txBox="1">
+                        <a:spLocks noRot="1" noChangeAspect="1" noMove="1" noResize="1" noEditPoints="1" noAdjustHandles="1" noChangeArrowheads="1" noChangeShapeType="1" noTextEdit="1"/>
+                      </p:cNvSpPr>
+                      <p:nvPr/>
+                    </p:nvSpPr>
+                    <p:spPr>
+                      <a:xfrm rot="16200000" flipH="1">
+                        <a:off x="5548902" y="5367323"/>
+                        <a:ext cx="1027341" cy="261864"/>
+                      </a:xfrm>
+                      <a:prstGeom prst="rect">
+                        <a:avLst/>
+                      </a:prstGeom>
+                      <a:blipFill>
+                        <a:blip r:embed="rId8"/>
+                        <a:stretch>
+                          <a:fillRect b="-8696"/>
+                        </a:stretch>
+                      </a:blipFill>
+                      <a:ln>
+                        <a:noFill/>
+                      </a:ln>
+                    </p:spPr>
+                    <p:txBody>
+                      <a:bodyPr/>
+                      <a:lstStyle/>
+                      <a:p>
+                        <a:r>
+                          <a:rPr lang="en-NO">
+                            <a:noFill/>
+                          </a:rPr>
+                          <a:t> </a:t>
+                        </a:r>
+                      </a:p>
+                    </p:txBody>
+                  </p:sp>
+                </mc:Fallback>
+              </mc:AlternateContent>
+              <p:sp>
+                <p:nvSpPr>
+                  <p:cNvPr id="45" name="TextBox 44">
+                    <a:extLst>
+                      <a:ext uri="{FF2B5EF4-FFF2-40B4-BE49-F238E27FC236}">
+                        <a16:creationId xmlns:a16="http://schemas.microsoft.com/office/drawing/2014/main" id="{018A4E91-A9EF-727F-032F-8FB5BAE605FA}"/>
+                      </a:ext>
+                    </a:extLst>
+                  </p:cNvPr>
+                  <p:cNvSpPr txBox="1"/>
+                  <p:nvPr/>
+                </p:nvSpPr>
+                <p:spPr>
+                  <a:xfrm>
+                    <a:off x="4265601" y="4413310"/>
+                    <a:ext cx="61" cy="276999"/>
+                  </a:xfrm>
+                  <a:prstGeom prst="rect">
+                    <a:avLst/>
+                  </a:prstGeom>
+                  <a:noFill/>
+                  <a:ln>
+                    <a:noFill/>
+                  </a:ln>
+                </p:spPr>
+                <p:txBody>
+                  <a:bodyPr wrap="none" lIns="0" tIns="0" rIns="0" bIns="0" rtlCol="0">
+                    <a:spAutoFit/>
+                  </a:bodyPr>
+                  <a:lstStyle/>
+                  <a:p>
+                    <a:endParaRPr lang="en-US" dirty="0"/>
+                  </a:p>
+                </p:txBody>
+              </p:sp>
+            </p:grpSp>
+            <p:cxnSp>
+              <p:nvCxnSpPr>
+                <p:cNvPr id="22" name="Straight Connector 21">
+                  <a:extLst>
+                    <a:ext uri="{FF2B5EF4-FFF2-40B4-BE49-F238E27FC236}">
+                      <a16:creationId xmlns:a16="http://schemas.microsoft.com/office/drawing/2014/main" id="{92035E38-19BC-1F79-1DB2-F6E48508E35B}"/>
+                    </a:ext>
+                  </a:extLst>
+                </p:cNvPr>
+                <p:cNvCxnSpPr/>
+                <p:nvPr/>
+              </p:nvCxnSpPr>
+              <p:spPr>
+                <a:xfrm rot="5400000">
+                  <a:off x="6135285" y="1386671"/>
+                  <a:ext cx="0" cy="340242"/>
+                </a:xfrm>
+                <a:prstGeom prst="line">
+                  <a:avLst/>
+                </a:prstGeom>
+                <a:ln w="25400">
+                  <a:solidFill>
+                    <a:schemeClr val="tx1"/>
+                  </a:solidFill>
+                </a:ln>
+              </p:spPr>
+              <p:style>
+                <a:lnRef idx="1">
+                  <a:schemeClr val="accent1"/>
+                </a:lnRef>
+                <a:fillRef idx="0">
+                  <a:schemeClr val="accent1"/>
+                </a:fillRef>
+                <a:effectRef idx="0">
+                  <a:schemeClr val="accent1"/>
+                </a:effectRef>
+                <a:fontRef idx="minor">
+                  <a:schemeClr val="tx1"/>
+                </a:fontRef>
+              </p:style>
+            </p:cxnSp>
+            <p:cxnSp>
+              <p:nvCxnSpPr>
+                <p:cNvPr id="23" name="Straight Connector 22">
+                  <a:extLst>
+                    <a:ext uri="{FF2B5EF4-FFF2-40B4-BE49-F238E27FC236}">
+                      <a16:creationId xmlns:a16="http://schemas.microsoft.com/office/drawing/2014/main" id="{8DD4AE1D-7C3E-8C03-CB88-B78289496115}"/>
+                    </a:ext>
+                  </a:extLst>
+                </p:cNvPr>
+                <p:cNvCxnSpPr>
+                  <a:cxnSpLocks/>
+                </p:cNvCxnSpPr>
+                <p:nvPr/>
+              </p:nvCxnSpPr>
+              <p:spPr>
+                <a:xfrm flipH="1">
+                  <a:off x="6148132" y="1299165"/>
+                  <a:ext cx="4874" cy="801693"/>
+                </a:xfrm>
+                <a:prstGeom prst="line">
+                  <a:avLst/>
+                </a:prstGeom>
+                <a:ln w="38100">
+                  <a:solidFill>
+                    <a:schemeClr val="tx1"/>
+                  </a:solidFill>
+                  <a:prstDash val="dash"/>
+                </a:ln>
+              </p:spPr>
+              <p:style>
+                <a:lnRef idx="1">
+                  <a:schemeClr val="accent1"/>
+                </a:lnRef>
+                <a:fillRef idx="0">
+                  <a:schemeClr val="accent1"/>
+                </a:fillRef>
+                <a:effectRef idx="0">
+                  <a:schemeClr val="accent1"/>
+                </a:effectRef>
+                <a:fontRef idx="minor">
+                  <a:schemeClr val="tx1"/>
+                </a:fontRef>
+              </p:style>
+            </p:cxnSp>
+            <p:cxnSp>
+              <p:nvCxnSpPr>
+                <p:cNvPr id="24" name="Straight Connector 23">
+                  <a:extLst>
+                    <a:ext uri="{FF2B5EF4-FFF2-40B4-BE49-F238E27FC236}">
+                      <a16:creationId xmlns:a16="http://schemas.microsoft.com/office/drawing/2014/main" id="{35DB408F-5467-FA51-7BE8-60EAA05C3D72}"/>
+                    </a:ext>
+                  </a:extLst>
+                </p:cNvPr>
+                <p:cNvCxnSpPr>
+                  <a:cxnSpLocks/>
+                </p:cNvCxnSpPr>
+                <p:nvPr/>
+              </p:nvCxnSpPr>
+              <p:spPr>
+                <a:xfrm flipH="1">
+                  <a:off x="6134763" y="4357643"/>
+                  <a:ext cx="4874" cy="801693"/>
+                </a:xfrm>
+                <a:prstGeom prst="line">
+                  <a:avLst/>
+                </a:prstGeom>
+                <a:ln w="38100">
+                  <a:solidFill>
+                    <a:schemeClr val="tx1"/>
+                  </a:solidFill>
+                  <a:prstDash val="dash"/>
+                </a:ln>
+              </p:spPr>
+              <p:style>
+                <a:lnRef idx="1">
+                  <a:schemeClr val="accent1"/>
+                </a:lnRef>
+                <a:fillRef idx="0">
+                  <a:schemeClr val="accent1"/>
+                </a:fillRef>
+                <a:effectRef idx="0">
+                  <a:schemeClr val="accent1"/>
+                </a:effectRef>
+                <a:fontRef idx="minor">
+                  <a:schemeClr val="tx1"/>
+                </a:fontRef>
+              </p:style>
+            </p:cxnSp>
+            <mc:AlternateContent xmlns:mc="http://schemas.openxmlformats.org/markup-compatibility/2006" xmlns:a14="http://schemas.microsoft.com/office/drawing/2010/main">
+              <mc:Choice Requires="a14">
+                <p:sp>
+                  <p:nvSpPr>
+                    <p:cNvPr id="26" name="TextBox 25">
+                      <a:extLst>
+                        <a:ext uri="{FF2B5EF4-FFF2-40B4-BE49-F238E27FC236}">
+                          <a16:creationId xmlns:a16="http://schemas.microsoft.com/office/drawing/2014/main" id="{EC02905A-D8C3-E332-48E4-8AD1B3DDA30B}"/>
+                        </a:ext>
+                      </a:extLst>
+                    </p:cNvPr>
+                    <p:cNvSpPr txBox="1"/>
+                    <p:nvPr/>
+                  </p:nvSpPr>
+                  <p:spPr>
+                    <a:xfrm>
+                      <a:off x="5482800" y="1058400"/>
+                      <a:ext cx="354264" cy="276999"/>
+                    </a:xfrm>
+                    <a:prstGeom prst="rect">
+                      <a:avLst/>
+                    </a:prstGeom>
+                    <a:noFill/>
+                    <a:ln>
+                      <a:noFill/>
+                    </a:ln>
+                  </p:spPr>
+                  <p:txBody>
+                    <a:bodyPr wrap="none" lIns="0" tIns="0" rIns="0" bIns="0" rtlCol="0">
+                      <a:spAutoFit/>
+                    </a:bodyPr>
+                    <a:lstStyle/>
+                    <a:p>
+                      <a:pPr/>
+                      <a14:m>
+                        <m:oMathPara xmlns:m="http://schemas.openxmlformats.org/officeDocument/2006/math">
+                          <m:oMathParaPr>
+                            <m:jc m:val="centerGroup"/>
+                          </m:oMathParaPr>
+                          <m:oMath xmlns:m="http://schemas.openxmlformats.org/officeDocument/2006/math">
+                            <m:r>
+                              <a:rPr lang="nb-NO" b="0" i="1" smtClean="0">
+                                <a:solidFill>
+                                  <a:schemeClr val="tx1"/>
+                                </a:solidFill>
+                                <a:latin typeface="Cambria Math" panose="02040503050406030204" pitchFamily="18" charset="0"/>
+                              </a:rPr>
+                              <m:t>−1</m:t>
+                            </m:r>
+                          </m:oMath>
+                        </m:oMathPara>
+                      </a14:m>
+                      <a:endParaRPr lang="en-US" dirty="0">
+                        <a:solidFill>
+                          <a:schemeClr val="tx1"/>
+                        </a:solidFill>
+                      </a:endParaRPr>
+                    </a:p>
+                  </p:txBody>
+                </p:sp>
+              </mc:Choice>
+              <mc:Fallback xmlns="">
+                <p:sp>
+                  <p:nvSpPr>
+                    <p:cNvPr id="46" name="TextBox 45">
+                      <a:extLst>
+                        <a:ext uri="{FF2B5EF4-FFF2-40B4-BE49-F238E27FC236}">
+                          <a16:creationId xmlns:a16="http://schemas.microsoft.com/office/drawing/2014/main" id="{74696C86-BB76-9C4B-9781-2120464CD7A1}"/>
+                        </a:ext>
+                      </a:extLst>
+                    </p:cNvPr>
+                    <p:cNvSpPr txBox="1">
+                      <a:spLocks noRot="1" noChangeAspect="1" noMove="1" noResize="1" noEditPoints="1" noAdjustHandles="1" noChangeArrowheads="1" noChangeShapeType="1" noTextEdit="1"/>
+                    </p:cNvSpPr>
+                    <p:nvPr/>
+                  </p:nvSpPr>
+                  <p:spPr>
+                    <a:xfrm>
+                      <a:off x="5482800" y="1058400"/>
+                      <a:ext cx="354264" cy="276999"/>
+                    </a:xfrm>
+                    <a:prstGeom prst="rect">
+                      <a:avLst/>
+                    </a:prstGeom>
+                    <a:blipFill>
+                      <a:blip r:embed="rId10"/>
+                      <a:stretch>
+                        <a:fillRect l="-3448" r="-13793" b="-4348"/>
+                      </a:stretch>
+                    </a:blipFill>
+                    <a:ln>
+                      <a:noFill/>
+                    </a:ln>
+                  </p:spPr>
+                  <p:txBody>
+                    <a:bodyPr/>
+                    <a:lstStyle/>
+                    <a:p>
+                      <a:r>
+                        <a:rPr lang="en-NO">
+                          <a:noFill/>
+                        </a:rPr>
+                        <a:t> </a:t>
+                      </a:r>
+                    </a:p>
+                  </p:txBody>
+                </p:sp>
+              </mc:Fallback>
+            </mc:AlternateContent>
+            <p:cxnSp>
+              <p:nvCxnSpPr>
+                <p:cNvPr id="27" name="Straight Arrow Connector 26">
+                  <a:extLst>
+                    <a:ext uri="{FF2B5EF4-FFF2-40B4-BE49-F238E27FC236}">
+                      <a16:creationId xmlns:a16="http://schemas.microsoft.com/office/drawing/2014/main" id="{F1B90FA0-635A-32DC-D041-5E7C7E1DB36F}"/>
+                    </a:ext>
+                  </a:extLst>
+                </p:cNvPr>
+                <p:cNvCxnSpPr>
+                  <a:cxnSpLocks/>
+                </p:cNvCxnSpPr>
+                <p:nvPr/>
+              </p:nvCxnSpPr>
+              <p:spPr>
+                <a:xfrm>
+                  <a:off x="6510704" y="2775480"/>
+                  <a:ext cx="0" cy="838817"/>
+                </a:xfrm>
+                <a:prstGeom prst="straightConnector1">
+                  <a:avLst/>
+                </a:prstGeom>
+                <a:ln w="31750">
+                  <a:solidFill>
+                    <a:schemeClr val="tx1"/>
+                  </a:solidFill>
+                  <a:headEnd type="triangle"/>
+                  <a:tailEnd type="triangle"/>
+                </a:ln>
+              </p:spPr>
+              <p:style>
+                <a:lnRef idx="1">
+                  <a:schemeClr val="accent1"/>
+                </a:lnRef>
+                <a:fillRef idx="0">
+                  <a:schemeClr val="accent1"/>
+                </a:fillRef>
+                <a:effectRef idx="0">
+                  <a:schemeClr val="accent1"/>
+                </a:effectRef>
+                <a:fontRef idx="minor">
+                  <a:schemeClr val="tx1"/>
+                </a:fontRef>
+              </p:style>
+            </p:cxnSp>
+            <mc:AlternateContent xmlns:mc="http://schemas.openxmlformats.org/markup-compatibility/2006" xmlns:a14="http://schemas.microsoft.com/office/drawing/2010/main">
+              <mc:Choice Requires="a14">
+                <p:sp>
+                  <p:nvSpPr>
+                    <p:cNvPr id="28" name="Rectangle 27">
+                      <a:extLst>
+                        <a:ext uri="{FF2B5EF4-FFF2-40B4-BE49-F238E27FC236}">
+                          <a16:creationId xmlns:a16="http://schemas.microsoft.com/office/drawing/2014/main" id="{157BDD9E-1C77-7BED-DB92-19046D307283}"/>
+                        </a:ext>
+                      </a:extLst>
+                    </p:cNvPr>
+                    <p:cNvSpPr/>
+                    <p:nvPr/>
+                  </p:nvSpPr>
+                  <p:spPr>
+                    <a:xfrm>
+                      <a:off x="6469205" y="3010222"/>
+                      <a:ext cx="369780" cy="369332"/>
+                    </a:xfrm>
+                    <a:prstGeom prst="rect">
+                      <a:avLst/>
+                    </a:prstGeom>
+                    <a:ln>
+                      <a:noFill/>
+                    </a:ln>
+                  </p:spPr>
+                  <p:txBody>
+                    <a:bodyPr wrap="none">
+                      <a:spAutoFit/>
+                    </a:bodyPr>
+                    <a:lstStyle/>
+                    <a:p>
+                      <a:pPr/>
+                      <a14:m>
+                        <m:oMathPara xmlns:m="http://schemas.openxmlformats.org/officeDocument/2006/math">
+                          <m:oMathParaPr>
+                            <m:jc m:val="centerGroup"/>
+                          </m:oMathParaPr>
+                          <m:oMath xmlns:m="http://schemas.openxmlformats.org/officeDocument/2006/math">
+                            <m:r>
+                              <a:rPr lang="nb-NO" i="1" smtClean="0">
+                                <a:solidFill>
+                                  <a:schemeClr val="tx1"/>
+                                </a:solidFill>
+                                <a:latin typeface="Cambria Math" panose="02040503050406030204" pitchFamily="18" charset="0"/>
+                              </a:rPr>
+                              <m:t>h</m:t>
+                            </m:r>
+                          </m:oMath>
+                        </m:oMathPara>
+                      </a14:m>
+                      <a:endParaRPr lang="en-NO" dirty="0">
+                        <a:solidFill>
+                          <a:schemeClr val="tx1"/>
+                        </a:solidFill>
+                      </a:endParaRPr>
+                    </a:p>
+                  </p:txBody>
+                </p:sp>
+              </mc:Choice>
+              <mc:Fallback xmlns="">
+                <p:sp>
+                  <p:nvSpPr>
+                    <p:cNvPr id="49" name="Rectangle 48">
+                      <a:extLst>
+                        <a:ext uri="{FF2B5EF4-FFF2-40B4-BE49-F238E27FC236}">
+                          <a16:creationId xmlns:a16="http://schemas.microsoft.com/office/drawing/2014/main" id="{D5C8611B-5E1D-A449-8DB5-3CB0F4FCE9CA}"/>
+                        </a:ext>
+                      </a:extLst>
+                    </p:cNvPr>
+                    <p:cNvSpPr>
+                      <a:spLocks noRot="1" noChangeAspect="1" noMove="1" noResize="1" noEditPoints="1" noAdjustHandles="1" noChangeArrowheads="1" noChangeShapeType="1" noTextEdit="1"/>
+                    </p:cNvSpPr>
+                    <p:nvPr/>
+                  </p:nvSpPr>
+                  <p:spPr>
+                    <a:xfrm>
+                      <a:off x="6469205" y="3010222"/>
+                      <a:ext cx="369780" cy="369332"/>
+                    </a:xfrm>
+                    <a:prstGeom prst="rect">
+                      <a:avLst/>
+                    </a:prstGeom>
+                    <a:blipFill>
+                      <a:blip r:embed="rId11"/>
+                      <a:stretch>
+                        <a:fillRect/>
+                      </a:stretch>
+                    </a:blipFill>
+                    <a:ln>
+                      <a:noFill/>
+                    </a:ln>
+                  </p:spPr>
+                  <p:txBody>
+                    <a:bodyPr/>
+                    <a:lstStyle/>
+                    <a:p>
+                      <a:r>
+                        <a:rPr lang="en-NO">
+                          <a:noFill/>
+                        </a:rPr>
+                        <a:t> </a:t>
+                      </a:r>
+                    </a:p>
+                  </p:txBody>
+                </p:sp>
+              </mc:Fallback>
+            </mc:AlternateContent>
+            <p:cxnSp>
+              <p:nvCxnSpPr>
+                <p:cNvPr id="30" name="Straight Connector 29">
+                  <a:extLst>
+                    <a:ext uri="{FF2B5EF4-FFF2-40B4-BE49-F238E27FC236}">
+                      <a16:creationId xmlns:a16="http://schemas.microsoft.com/office/drawing/2014/main" id="{3E3916EC-4760-F17C-874C-C004C80E0D22}"/>
+                    </a:ext>
+                  </a:extLst>
+                </p:cNvPr>
+                <p:cNvCxnSpPr>
+                  <a:cxnSpLocks/>
+                </p:cNvCxnSpPr>
+                <p:nvPr/>
+              </p:nvCxnSpPr>
+              <p:spPr>
+                <a:xfrm>
+                  <a:off x="3863751" y="4690787"/>
+                  <a:ext cx="3096345" cy="34357"/>
+                </a:xfrm>
+                <a:prstGeom prst="line">
+                  <a:avLst/>
+                </a:prstGeom>
+                <a:ln w="38100">
+                  <a:solidFill>
+                    <a:schemeClr val="tx1"/>
+                  </a:solidFill>
+                  <a:prstDash val="dash"/>
+                </a:ln>
+              </p:spPr>
+              <p:style>
+                <a:lnRef idx="1">
+                  <a:schemeClr val="accent1"/>
+                </a:lnRef>
+                <a:fillRef idx="0">
+                  <a:schemeClr val="accent1"/>
+                </a:fillRef>
+                <a:effectRef idx="0">
+                  <a:schemeClr val="accent1"/>
+                </a:effectRef>
+                <a:fontRef idx="minor">
+                  <a:schemeClr val="tx1"/>
+                </a:fontRef>
+              </p:style>
+            </p:cxnSp>
+          </p:grpSp>
+          <p:cxnSp>
+            <p:nvCxnSpPr>
+              <p:cNvPr id="12" name="Straight Connector 11">
+                <a:extLst>
+                  <a:ext uri="{FF2B5EF4-FFF2-40B4-BE49-F238E27FC236}">
+                    <a16:creationId xmlns:a16="http://schemas.microsoft.com/office/drawing/2014/main" id="{1FBE0454-6AEB-B612-94A2-5D749863F702}"/>
+                  </a:ext>
+                </a:extLst>
+              </p:cNvPr>
+              <p:cNvCxnSpPr>
+                <a:cxnSpLocks/>
+              </p:cNvCxnSpPr>
+              <p:nvPr/>
+            </p:nvCxnSpPr>
+            <p:spPr>
+              <a:xfrm>
+                <a:off x="1415480" y="4690787"/>
+                <a:ext cx="1803012" cy="3814"/>
+              </a:xfrm>
+              <a:prstGeom prst="line">
+                <a:avLst/>
+              </a:prstGeom>
+              <a:ln w="38100">
+                <a:solidFill>
+                  <a:schemeClr val="tx1"/>
+                </a:solidFill>
+                <a:prstDash val="dash"/>
+              </a:ln>
+            </p:spPr>
+            <p:style>
+              <a:lnRef idx="1">
+                <a:schemeClr val="accent1"/>
+              </a:lnRef>
+              <a:fillRef idx="0">
+                <a:schemeClr val="accent1"/>
+              </a:fillRef>
+              <a:effectRef idx="0">
+                <a:schemeClr val="accent1"/>
+              </a:effectRef>
+              <a:fontRef idx="minor">
+                <a:schemeClr val="tx1"/>
+              </a:fontRef>
+            </p:style>
+          </p:cxnSp>
+        </p:grpSp>
+        <p:sp>
+          <p:nvSpPr>
+            <p:cNvPr id="4" name="Rectangle 3">
+              <a:extLst>
+                <a:ext uri="{FF2B5EF4-FFF2-40B4-BE49-F238E27FC236}">
+                  <a16:creationId xmlns:a16="http://schemas.microsoft.com/office/drawing/2014/main" id="{6ACC6A9E-2C8F-5C30-1349-1C5AB3C4F5E0}"/>
+                </a:ext>
+              </a:extLst>
+            </p:cNvPr>
+            <p:cNvSpPr/>
+            <p:nvPr/>
+          </p:nvSpPr>
+          <p:spPr>
+            <a:xfrm>
+              <a:off x="5932800" y="853200"/>
+              <a:ext cx="415294" cy="4663197"/>
+            </a:xfrm>
+            <a:prstGeom prst="rect">
+              <a:avLst/>
+            </a:prstGeom>
+            <a:noFill/>
+            <a:ln w="28575">
+              <a:solidFill>
+                <a:schemeClr val="tx1"/>
+              </a:solidFill>
+              <a:prstDash val="dash"/>
+            </a:ln>
+          </p:spPr>
+          <p:style>
+            <a:lnRef idx="2">
+              <a:schemeClr val="accent1">
+                <a:shade val="50000"/>
+              </a:schemeClr>
+            </a:lnRef>
+            <a:fillRef idx="1">
+              <a:schemeClr val="accent1"/>
+            </a:fillRef>
+            <a:effectRef idx="0">
+              <a:schemeClr val="accent1"/>
+            </a:effectRef>
+            <a:fontRef idx="minor">
+              <a:schemeClr val="lt1"/>
+            </a:fontRef>
+          </p:style>
+          <p:txBody>
+            <a:bodyPr rtlCol="0" anchor="ctr"/>
+            <a:lstStyle/>
+            <a:p>
+              <a:pPr algn="ctr"/>
+              <a:endParaRPr lang="en-NO"/>
+            </a:p>
+          </p:txBody>
+        </p:sp>
+        <p:sp>
+          <p:nvSpPr>
+            <p:cNvPr id="5" name="Oval 4">
+              <a:extLst>
+                <a:ext uri="{FF2B5EF4-FFF2-40B4-BE49-F238E27FC236}">
+                  <a16:creationId xmlns:a16="http://schemas.microsoft.com/office/drawing/2014/main" id="{61BEAD8C-293B-F2FF-A203-445D22B4F848}"/>
+                </a:ext>
+              </a:extLst>
+            </p:cNvPr>
+            <p:cNvSpPr>
+              <a:spLocks noChangeAspect="1"/>
+            </p:cNvSpPr>
+            <p:nvPr/>
+          </p:nvSpPr>
+          <p:spPr>
+            <a:xfrm>
+              <a:off x="6091200" y="1160760"/>
+              <a:ext cx="108000" cy="108000"/>
+            </a:xfrm>
+            <a:prstGeom prst="ellipse">
+              <a:avLst/>
+            </a:prstGeom>
+            <a:solidFill>
+              <a:srgbClr val="C00000"/>
+            </a:solidFill>
+            <a:ln>
+              <a:solidFill>
+                <a:srgbClr val="C00000"/>
+              </a:solidFill>
+            </a:ln>
+          </p:spPr>
+          <p:style>
+            <a:lnRef idx="2">
+              <a:schemeClr val="accent1">
+                <a:shade val="50000"/>
+              </a:schemeClr>
+            </a:lnRef>
+            <a:fillRef idx="1">
+              <a:schemeClr val="accent1"/>
+            </a:fillRef>
+            <a:effectRef idx="0">
+              <a:schemeClr val="accent1"/>
+            </a:effectRef>
+            <a:fontRef idx="minor">
+              <a:schemeClr val="lt1"/>
+            </a:fontRef>
+          </p:style>
+          <p:txBody>
+            <a:bodyPr rtlCol="0" anchor="ctr"/>
+            <a:lstStyle/>
+            <a:p>
+              <a:pPr algn="ctr"/>
+              <a:endParaRPr lang="en-NO" dirty="0"/>
+            </a:p>
+          </p:txBody>
+        </p:sp>
+        <p:sp>
+          <p:nvSpPr>
+            <p:cNvPr id="6" name="Oval 5">
+              <a:extLst>
+                <a:ext uri="{FF2B5EF4-FFF2-40B4-BE49-F238E27FC236}">
+                  <a16:creationId xmlns:a16="http://schemas.microsoft.com/office/drawing/2014/main" id="{2E88BD28-D6A4-2AA0-3F91-6F9AB90B5AAD}"/>
+                </a:ext>
+              </a:extLst>
+            </p:cNvPr>
+            <p:cNvSpPr>
+              <a:spLocks noChangeAspect="1"/>
+            </p:cNvSpPr>
+            <p:nvPr/>
+          </p:nvSpPr>
+          <p:spPr>
+            <a:xfrm>
+              <a:off x="6091200" y="1911384"/>
+              <a:ext cx="108000" cy="108000"/>
+            </a:xfrm>
+            <a:prstGeom prst="ellipse">
+              <a:avLst/>
+            </a:prstGeom>
+            <a:solidFill>
+              <a:srgbClr val="C00000"/>
+            </a:solidFill>
+            <a:ln>
+              <a:solidFill>
+                <a:srgbClr val="C00000"/>
+              </a:solidFill>
+            </a:ln>
+          </p:spPr>
+          <p:style>
+            <a:lnRef idx="2">
+              <a:schemeClr val="accent1">
+                <a:shade val="50000"/>
+              </a:schemeClr>
+            </a:lnRef>
+            <a:fillRef idx="1">
+              <a:schemeClr val="accent1"/>
+            </a:fillRef>
+            <a:effectRef idx="0">
+              <a:schemeClr val="accent1"/>
+            </a:effectRef>
+            <a:fontRef idx="minor">
+              <a:schemeClr val="lt1"/>
+            </a:fontRef>
+          </p:style>
+          <p:txBody>
+            <a:bodyPr rtlCol="0" anchor="ctr"/>
+            <a:lstStyle/>
+            <a:p>
+              <a:pPr algn="ctr"/>
+              <a:endParaRPr lang="en-NO" dirty="0"/>
+            </a:p>
+          </p:txBody>
+        </p:sp>
+        <p:sp>
+          <p:nvSpPr>
+            <p:cNvPr id="7" name="Oval 6">
+              <a:extLst>
+                <a:ext uri="{FF2B5EF4-FFF2-40B4-BE49-F238E27FC236}">
+                  <a16:creationId xmlns:a16="http://schemas.microsoft.com/office/drawing/2014/main" id="{45E1626A-E688-9CFB-36B1-CA7CC64F4094}"/>
+                </a:ext>
+              </a:extLst>
+            </p:cNvPr>
+            <p:cNvSpPr>
+              <a:spLocks noChangeAspect="1"/>
+            </p:cNvSpPr>
+            <p:nvPr/>
+          </p:nvSpPr>
+          <p:spPr>
+            <a:xfrm>
+              <a:off x="6091200" y="2703472"/>
+              <a:ext cx="108000" cy="108000"/>
+            </a:xfrm>
+            <a:prstGeom prst="ellipse">
+              <a:avLst/>
+            </a:prstGeom>
+            <a:solidFill>
+              <a:srgbClr val="C00000"/>
+            </a:solidFill>
+            <a:ln>
+              <a:solidFill>
+                <a:srgbClr val="C00000"/>
+              </a:solidFill>
+            </a:ln>
+          </p:spPr>
+          <p:style>
+            <a:lnRef idx="2">
+              <a:schemeClr val="accent1">
+                <a:shade val="50000"/>
+              </a:schemeClr>
+            </a:lnRef>
+            <a:fillRef idx="1">
+              <a:schemeClr val="accent1"/>
+            </a:fillRef>
+            <a:effectRef idx="0">
+              <a:schemeClr val="accent1"/>
+            </a:effectRef>
+            <a:fontRef idx="minor">
+              <a:schemeClr val="lt1"/>
+            </a:fontRef>
+          </p:style>
+          <p:txBody>
+            <a:bodyPr rtlCol="0" anchor="ctr"/>
+            <a:lstStyle/>
+            <a:p>
+              <a:pPr algn="ctr"/>
+              <a:endParaRPr lang="en-NO" dirty="0"/>
+            </a:p>
+          </p:txBody>
+        </p:sp>
+        <p:sp>
+          <p:nvSpPr>
+            <p:cNvPr id="8" name="Oval 7">
+              <a:extLst>
+                <a:ext uri="{FF2B5EF4-FFF2-40B4-BE49-F238E27FC236}">
+                  <a16:creationId xmlns:a16="http://schemas.microsoft.com/office/drawing/2014/main" id="{CE413387-6A24-118E-B950-1E709143BCEF}"/>
+                </a:ext>
+              </a:extLst>
+            </p:cNvPr>
+            <p:cNvSpPr>
+              <a:spLocks noChangeAspect="1"/>
+            </p:cNvSpPr>
+            <p:nvPr/>
+          </p:nvSpPr>
+          <p:spPr>
+            <a:xfrm>
+              <a:off x="6091200" y="3495560"/>
+              <a:ext cx="108000" cy="108000"/>
+            </a:xfrm>
+            <a:prstGeom prst="ellipse">
+              <a:avLst/>
+            </a:prstGeom>
+            <a:solidFill>
+              <a:srgbClr val="C00000"/>
+            </a:solidFill>
+            <a:ln>
+              <a:solidFill>
+                <a:srgbClr val="C00000"/>
+              </a:solidFill>
+            </a:ln>
+          </p:spPr>
+          <p:style>
+            <a:lnRef idx="2">
+              <a:schemeClr val="accent1">
+                <a:shade val="50000"/>
+              </a:schemeClr>
+            </a:lnRef>
+            <a:fillRef idx="1">
+              <a:schemeClr val="accent1"/>
+            </a:fillRef>
+            <a:effectRef idx="0">
+              <a:schemeClr val="accent1"/>
+            </a:effectRef>
+            <a:fontRef idx="minor">
+              <a:schemeClr val="lt1"/>
+            </a:fontRef>
+          </p:style>
+          <p:txBody>
+            <a:bodyPr rtlCol="0" anchor="ctr"/>
+            <a:lstStyle/>
+            <a:p>
+              <a:pPr algn="ctr"/>
+              <a:endParaRPr lang="en-NO" dirty="0"/>
+            </a:p>
+          </p:txBody>
+        </p:sp>
+        <p:sp>
+          <p:nvSpPr>
+            <p:cNvPr id="9" name="Oval 8">
+              <a:extLst>
+                <a:ext uri="{FF2B5EF4-FFF2-40B4-BE49-F238E27FC236}">
+                  <a16:creationId xmlns:a16="http://schemas.microsoft.com/office/drawing/2014/main" id="{2D95FA14-E824-054C-9F00-814658FDFFA6}"/>
+                </a:ext>
+              </a:extLst>
+            </p:cNvPr>
+            <p:cNvSpPr>
+              <a:spLocks noChangeAspect="1"/>
+            </p:cNvSpPr>
+            <p:nvPr/>
+          </p:nvSpPr>
+          <p:spPr>
+            <a:xfrm>
+              <a:off x="6091200" y="4293096"/>
+              <a:ext cx="108000" cy="108000"/>
+            </a:xfrm>
+            <a:prstGeom prst="ellipse">
+              <a:avLst/>
+            </a:prstGeom>
+            <a:solidFill>
+              <a:srgbClr val="C00000"/>
+            </a:solidFill>
+            <a:ln>
+              <a:solidFill>
+                <a:srgbClr val="C00000"/>
+              </a:solidFill>
+            </a:ln>
+          </p:spPr>
+          <p:style>
+            <a:lnRef idx="2">
+              <a:schemeClr val="accent1">
+                <a:shade val="50000"/>
+              </a:schemeClr>
+            </a:lnRef>
+            <a:fillRef idx="1">
+              <a:schemeClr val="accent1"/>
+            </a:fillRef>
+            <a:effectRef idx="0">
+              <a:schemeClr val="accent1"/>
+            </a:effectRef>
+            <a:fontRef idx="minor">
+              <a:schemeClr val="lt1"/>
+            </a:fontRef>
+          </p:style>
+          <p:txBody>
+            <a:bodyPr rtlCol="0" anchor="ctr"/>
+            <a:lstStyle/>
+            <a:p>
+              <a:pPr algn="ctr"/>
+              <a:endParaRPr lang="en-NO" dirty="0"/>
+            </a:p>
+          </p:txBody>
+        </p:sp>
+        <p:sp>
+          <p:nvSpPr>
+            <p:cNvPr id="10" name="Oval 9">
+              <a:extLst>
+                <a:ext uri="{FF2B5EF4-FFF2-40B4-BE49-F238E27FC236}">
+                  <a16:creationId xmlns:a16="http://schemas.microsoft.com/office/drawing/2014/main" id="{20D345BF-39BE-F824-0F44-6054803A9199}"/>
+                </a:ext>
+              </a:extLst>
+            </p:cNvPr>
+            <p:cNvSpPr>
+              <a:spLocks noChangeAspect="1"/>
+            </p:cNvSpPr>
+            <p:nvPr/>
+          </p:nvSpPr>
+          <p:spPr>
+            <a:xfrm>
+              <a:off x="6091200" y="5049192"/>
+              <a:ext cx="108000" cy="108000"/>
+            </a:xfrm>
+            <a:prstGeom prst="ellipse">
+              <a:avLst/>
+            </a:prstGeom>
+            <a:solidFill>
+              <a:srgbClr val="C00000"/>
+            </a:solidFill>
+            <a:ln>
+              <a:solidFill>
+                <a:srgbClr val="C00000"/>
+              </a:solidFill>
+            </a:ln>
+          </p:spPr>
+          <p:style>
+            <a:lnRef idx="2">
+              <a:schemeClr val="accent1">
+                <a:shade val="50000"/>
+              </a:schemeClr>
+            </a:lnRef>
+            <a:fillRef idx="1">
+              <a:schemeClr val="accent1"/>
+            </a:fillRef>
+            <a:effectRef idx="0">
+              <a:schemeClr val="accent1"/>
+            </a:effectRef>
+            <a:fontRef idx="minor">
+              <a:schemeClr val="lt1"/>
+            </a:fontRef>
+          </p:style>
+          <p:txBody>
+            <a:bodyPr rtlCol="0" anchor="ctr"/>
+            <a:lstStyle/>
+            <a:p>
+              <a:pPr algn="ctr"/>
+              <a:endParaRPr lang="en-NO" dirty="0"/>
+            </a:p>
+          </p:txBody>
+        </p:sp>
+      </p:grpSp>
+      <p:pic>
+        <p:nvPicPr>
+          <p:cNvPr id="47" name="Picture 46" descr="A diagram of a weather station&#10;&#10;Description automatically generated">
+            <a:extLst>
+              <a:ext uri="{FF2B5EF4-FFF2-40B4-BE49-F238E27FC236}">
+                <a16:creationId xmlns:a16="http://schemas.microsoft.com/office/drawing/2014/main" id="{057E3561-0887-6157-1F6C-F452B6DF25B0}"/>
+              </a:ext>
+            </a:extLst>
+          </p:cNvPr>
+          <p:cNvPicPr>
+            <a:picLocks noChangeAspect="1"/>
+          </p:cNvPicPr>
+          <p:nvPr/>
+        </p:nvPicPr>
+        <p:blipFill>
+          <a:blip r:embed="rId12">
+            <a:extLst>
+              <a:ext uri="{28A0092B-C50C-407E-A947-70E740481C1C}">
+                <a14:useLocalDpi xmlns:a14="http://schemas.microsoft.com/office/drawing/2010/main" val="0"/>
+              </a:ext>
+            </a:extLst>
+          </a:blip>
+          <a:stretch>
+            <a:fillRect/>
+          </a:stretch>
+        </p:blipFill>
+        <p:spPr>
+          <a:xfrm>
+            <a:off x="336619" y="1269421"/>
+            <a:ext cx="4381500" cy="3556000"/>
+          </a:xfrm>
+          <a:prstGeom prst="rect">
+            <a:avLst/>
+          </a:prstGeom>
+        </p:spPr>
+      </p:pic>
+    </p:spTree>
+    <p:extLst>
+      <p:ext uri="{BB962C8B-B14F-4D97-AF65-F5344CB8AC3E}">
+        <p14:creationId xmlns:p14="http://schemas.microsoft.com/office/powerpoint/2010/main" val="1539195289"/>
       </p:ext>
     </p:extLst>
   </p:cSld>
@@ -9161,8 +11232,8 @@
                 </p:sp>
               </mc:Fallback>
             </mc:AlternateContent>
-            <mc:AlternateContent xmlns:mc="http://schemas.openxmlformats.org/markup-compatibility/2006">
-              <mc:Choice xmlns:a14="http://schemas.microsoft.com/office/drawing/2010/main" Requires="a14">
+            <mc:AlternateContent xmlns:mc="http://schemas.openxmlformats.org/markup-compatibility/2006" xmlns:a14="http://schemas.microsoft.com/office/drawing/2010/main">
+              <mc:Choice Requires="a14">
                 <p:sp>
                   <p:nvSpPr>
                     <p:cNvPr id="18" name="Rectangle 17">
@@ -9440,7 +11511,7 @@
                   </p:txBody>
                 </p:sp>
               </mc:Choice>
-              <mc:Fallback>
+              <mc:Fallback xmlns="">
                 <p:sp>
                   <p:nvSpPr>
                     <p:cNvPr id="18" name="Rectangle 17">
@@ -9485,8 +11556,8 @@
                 </p:sp>
               </mc:Fallback>
             </mc:AlternateContent>
-            <mc:AlternateContent xmlns:mc="http://schemas.openxmlformats.org/markup-compatibility/2006">
-              <mc:Choice xmlns:a14="http://schemas.microsoft.com/office/drawing/2010/main" Requires="a14">
+            <mc:AlternateContent xmlns:mc="http://schemas.openxmlformats.org/markup-compatibility/2006" xmlns:a14="http://schemas.microsoft.com/office/drawing/2010/main">
+              <mc:Choice Requires="a14">
                 <p:sp>
                   <p:nvSpPr>
                     <p:cNvPr id="19" name="Rectangle 18">
@@ -9514,6 +11585,7 @@
                     </a:bodyPr>
                     <a:lstStyle/>
                     <a:p>
+                      <a:pPr/>
                       <a14:m>
                         <m:oMathPara xmlns:m="http://schemas.openxmlformats.org/officeDocument/2006/math">
                           <m:oMathParaPr>
@@ -9936,7 +12008,7 @@
                   </p:txBody>
                 </p:sp>
               </mc:Choice>
-              <mc:Fallback>
+              <mc:Fallback xmlns="">
                 <p:sp>
                   <p:nvSpPr>
                     <p:cNvPr id="19" name="Rectangle 18">
@@ -10233,8 +12305,8 @@
                 </p:sp>
               </mc:Fallback>
             </mc:AlternateContent>
-            <mc:AlternateContent xmlns:mc="http://schemas.openxmlformats.org/markup-compatibility/2006">
-              <mc:Choice xmlns:a14="http://schemas.microsoft.com/office/drawing/2010/main" Requires="a14">
+            <mc:AlternateContent xmlns:mc="http://schemas.openxmlformats.org/markup-compatibility/2006" xmlns:a14="http://schemas.microsoft.com/office/drawing/2010/main">
+              <mc:Choice Requires="a14">
                 <p:sp>
                   <p:nvSpPr>
                     <p:cNvPr id="22" name="Rectangle 21">
@@ -10564,7 +12636,7 @@
                   </p:txBody>
                 </p:sp>
               </mc:Choice>
-              <mc:Fallback>
+              <mc:Fallback xmlns="">
                 <p:sp>
                   <p:nvSpPr>
                     <p:cNvPr id="22" name="Rectangle 21">
@@ -26174,4 +28246,10 @@
     </a:ext>
   </a:extLst>
 </a:theme>
+</file>
+
+<file path=docMetadata/LabelInfo.xml><?xml version="1.0" encoding="utf-8"?>
+<clbl:labelList xmlns:clbl="http://schemas.microsoft.com/office/2020/mipLabelMetadata">
+  <clbl:label id="{2b7fce66-bf2d-46b5-b59a-9f0018501bcd}" enabled="1" method="Standard" siteId="{f8a213d2-8f6c-400d-9e74-4e8b475316c6}" contentBits="0" removed="0"/>
+</clbl:labelList>
 </file>